--- a/20120926/fujisaki_20120926.pptx
+++ b/20120926/fujisaki_20120926.pptx
@@ -8,8 +8,9 @@
     <p:sldId id="256" r:id="rId2"/>
     <p:sldId id="257" r:id="rId3"/>
     <p:sldId id="258" r:id="rId4"/>
-    <p:sldId id="259" r:id="rId5"/>
-    <p:sldId id="260" r:id="rId6"/>
+    <p:sldId id="261" r:id="rId5"/>
+    <p:sldId id="259" r:id="rId6"/>
+    <p:sldId id="260" r:id="rId7"/>
   </p:sldIdLst>
   <p:sldSz cx="9144000" cy="6858000" type="screen4x3"/>
   <p:notesSz cx="6858000" cy="9144000"/>
@@ -5724,7 +5725,7 @@
     </p:spTree>
     <p:extLst>
       <p:ext uri="{BB962C8B-B14F-4D97-AF65-F5344CB8AC3E}">
-        <p14:creationId xmlns="" xmlns:p14="http://schemas.microsoft.com/office/powerpoint/2010/main" val="3805487712"/>
+        <p14:creationId xmlns:p14="http://schemas.microsoft.com/office/powerpoint/2010/main" xmlns="" val="3805487712"/>
       </p:ext>
     </p:extLst>
   </p:cSld>
@@ -5874,7 +5875,7 @@
     </p:spTree>
     <p:extLst>
       <p:ext uri="{BB962C8B-B14F-4D97-AF65-F5344CB8AC3E}">
-        <p14:creationId xmlns="" xmlns:p14="http://schemas.microsoft.com/office/powerpoint/2010/main" val="1696113415"/>
+        <p14:creationId xmlns:p14="http://schemas.microsoft.com/office/powerpoint/2010/main" xmlns="" val="1696113415"/>
       </p:ext>
     </p:extLst>
   </p:cSld>
@@ -5956,15 +5957,7 @@
             </a:r>
             <a:r>
               <a:rPr lang="ja-JP" altLang="en-US" dirty="0" smtClean="0"/>
-              <a:t>を</a:t>
-            </a:r>
-            <a:r>
-              <a:rPr lang="ja-JP" altLang="en-US" dirty="0" smtClean="0"/>
-              <a:t>使い始めて</a:t>
-            </a:r>
-            <a:r>
-              <a:rPr lang="ja-JP" altLang="en-US" dirty="0" smtClean="0"/>
-              <a:t>オープンソースの世界にはまる</a:t>
+              <a:t>を使い始めてオープンソースの世界にはまる</a:t>
             </a:r>
             <a:endParaRPr lang="en-US" altLang="ja-JP" dirty="0" smtClean="0"/>
           </a:p>
@@ -6025,11 +6018,7 @@
             </a:r>
             <a:r>
               <a:rPr lang="ja-JP" altLang="en-US" dirty="0" smtClean="0"/>
-              <a:t>の日本ユーザ会を共同設立</a:t>
-            </a:r>
-            <a:r>
-              <a:rPr lang="ja-JP" altLang="en-US" dirty="0" smtClean="0"/>
-              <a:t>。ローカライズ、バグフィックスに関わる</a:t>
+              <a:t>の日本ユーザ会を共同設立。ローカライズ、バグフィックスに関わる</a:t>
             </a:r>
             <a:endParaRPr lang="en-US" altLang="ja-JP" dirty="0"/>
           </a:p>
@@ -6040,11 +6029,7 @@
             </a:r>
             <a:r>
               <a:rPr lang="ja-JP" altLang="en-US" dirty="0" smtClean="0"/>
-              <a:t>の翻訳に関わる。セミナーで</a:t>
-            </a:r>
-            <a:r>
-              <a:rPr lang="ja-JP" altLang="en-US" dirty="0" smtClean="0"/>
-              <a:t>講演したり勉強会やったり。</a:t>
+              <a:t>の翻訳に関わる。セミナーで講演したり勉強会やったり。</a:t>
             </a:r>
             <a:endParaRPr lang="en-US" altLang="ja-JP" dirty="0"/>
           </a:p>
@@ -6053,7 +6038,7 @@
     </p:spTree>
     <p:extLst>
       <p:ext uri="{BB962C8B-B14F-4D97-AF65-F5344CB8AC3E}">
-        <p14:creationId xmlns="" xmlns:p14="http://schemas.microsoft.com/office/powerpoint/2010/main" val="2591311960"/>
+        <p14:creationId xmlns:p14="http://schemas.microsoft.com/office/powerpoint/2010/main" xmlns="" val="2591311960"/>
       </p:ext>
     </p:extLst>
   </p:cSld>
@@ -6097,6 +6082,151 @@
           <a:p>
             <a:r>
               <a:rPr lang="ja-JP" altLang="en-US" dirty="0" smtClean="0"/>
+              <a:t>丸の内</a:t>
+            </a:r>
+            <a:r>
+              <a:rPr lang="en-US" altLang="ja-JP" dirty="0" err="1" smtClean="0"/>
+              <a:t>MongoDB</a:t>
+            </a:r>
+            <a:r>
+              <a:rPr lang="ja-JP" altLang="en-US" dirty="0" smtClean="0"/>
+              <a:t>勉強会</a:t>
+            </a:r>
+            <a:endParaRPr kumimoji="1" lang="ja-JP" altLang="en-US" dirty="0"/>
+          </a:p>
+        </p:txBody>
+      </p:sp>
+      <p:sp>
+        <p:nvSpPr>
+          <p:cNvPr id="3" name="コンテンツ プレースホルダー 2"/>
+          <p:cNvSpPr>
+            <a:spLocks noGrp="1"/>
+          </p:cNvSpPr>
+          <p:nvPr>
+            <p:ph idx="1"/>
+          </p:nvPr>
+        </p:nvSpPr>
+        <p:spPr/>
+        <p:txBody>
+          <a:bodyPr/>
+          <a:lstStyle/>
+          <a:p>
+            <a:r>
+              <a:rPr lang="ja-JP" altLang="en-US" dirty="0" smtClean="0"/>
+              <a:t>実際</a:t>
+            </a:r>
+            <a:r>
+              <a:rPr lang="ja-JP" altLang="en-US" dirty="0" smtClean="0"/>
+              <a:t>に手を動かすハンズオンを重視しています</a:t>
+            </a:r>
+            <a:endParaRPr lang="en-US" altLang="ja-JP" dirty="0" smtClean="0"/>
+          </a:p>
+          <a:p>
+            <a:r>
+              <a:rPr lang="ja-JP" altLang="en-US" dirty="0" smtClean="0"/>
+              <a:t>過去</a:t>
+            </a:r>
+            <a:r>
+              <a:rPr lang="ja-JP" altLang="en-US" dirty="0" smtClean="0"/>
+              <a:t>の資料を全て公開しています</a:t>
+            </a:r>
+            <a:endParaRPr lang="en-US" altLang="ja-JP" dirty="0" smtClean="0"/>
+          </a:p>
+          <a:p>
+            <a:pPr lvl="1"/>
+            <a:r>
+              <a:rPr lang="en-US" altLang="ja-JP" dirty="0" smtClean="0">
+                <a:solidFill>
+                  <a:schemeClr val="tx1"/>
+                </a:solidFill>
+                <a:hlinkClick r:id="rId2"/>
+              </a:rPr>
+              <a:t>https</a:t>
+            </a:r>
+            <a:r>
+              <a:rPr lang="en-US" altLang="ja-JP" dirty="0" smtClean="0">
+                <a:solidFill>
+                  <a:schemeClr val="tx1"/>
+                </a:solidFill>
+                <a:hlinkClick r:id="rId2"/>
+              </a:rPr>
+              <a:t>://</a:t>
+            </a:r>
+            <a:r>
+              <a:rPr lang="en-US" altLang="ja-JP" dirty="0" smtClean="0">
+                <a:solidFill>
+                  <a:schemeClr val="tx1"/>
+                </a:solidFill>
+                <a:hlinkClick r:id="rId2"/>
+              </a:rPr>
+              <a:t>github.com/syokenz/marunouchi-mongodb</a:t>
+            </a:r>
+            <a:endParaRPr lang="en-US" altLang="ja-JP" dirty="0" smtClean="0">
+              <a:solidFill>
+                <a:schemeClr val="tx1"/>
+              </a:solidFill>
+            </a:endParaRPr>
+          </a:p>
+          <a:p>
+            <a:r>
+              <a:rPr lang="ja-JP" altLang="en-US" dirty="0" smtClean="0"/>
+              <a:t>発表してもらえる方を募集中です</a:t>
+            </a:r>
+            <a:endParaRPr lang="en-US" altLang="ja-JP" dirty="0">
+              <a:solidFill>
+                <a:schemeClr val="tx1"/>
+              </a:solidFill>
+            </a:endParaRPr>
+          </a:p>
+        </p:txBody>
+      </p:sp>
+    </p:spTree>
+    <p:extLst>
+      <p:ext uri="{BB962C8B-B14F-4D97-AF65-F5344CB8AC3E}">
+        <p14:creationId xmlns:p14="http://schemas.microsoft.com/office/powerpoint/2010/main" xmlns="" val="2591311960"/>
+      </p:ext>
+    </p:extLst>
+  </p:cSld>
+  <p:clrMapOvr>
+    <a:masterClrMapping/>
+  </p:clrMapOvr>
+</p:sld>
+</file>
+
+<file path=ppt/slides/slide5.xml><?xml version="1.0" encoding="utf-8"?>
+<p:sld xmlns:a="http://schemas.openxmlformats.org/drawingml/2006/main" xmlns:r="http://schemas.openxmlformats.org/officeDocument/2006/relationships" xmlns:p="http://schemas.openxmlformats.org/presentationml/2006/main">
+  <p:cSld>
+    <p:spTree>
+      <p:nvGrpSpPr>
+        <p:cNvPr id="1" name=""/>
+        <p:cNvGrpSpPr/>
+        <p:nvPr/>
+      </p:nvGrpSpPr>
+      <p:grpSpPr>
+        <a:xfrm>
+          <a:off x="0" y="0"/>
+          <a:ext cx="0" cy="0"/>
+          <a:chOff x="0" y="0"/>
+          <a:chExt cx="0" cy="0"/>
+        </a:xfrm>
+      </p:grpSpPr>
+      <p:sp>
+        <p:nvSpPr>
+          <p:cNvPr id="2" name="タイトル 1"/>
+          <p:cNvSpPr>
+            <a:spLocks noGrp="1"/>
+          </p:cNvSpPr>
+          <p:nvPr>
+            <p:ph type="title"/>
+          </p:nvPr>
+        </p:nvSpPr>
+        <p:spPr/>
+        <p:txBody>
+          <a:bodyPr/>
+          <a:lstStyle/>
+          <a:p>
+            <a:r>
+              <a:rPr lang="ja-JP" altLang="en-US" dirty="0" smtClean="0"/>
               <a:t>広告</a:t>
             </a:r>
             <a:r>
@@ -6140,11 +6270,7 @@
             </a:r>
             <a:r>
               <a:rPr lang="ja-JP" altLang="en-US" dirty="0" smtClean="0"/>
-              <a:t>のサポート</a:t>
-            </a:r>
-            <a:r>
-              <a:rPr lang="ja-JP" altLang="en-US" dirty="0" smtClean="0"/>
-              <a:t>やっています。</a:t>
+              <a:t>のサポートやっています。</a:t>
             </a:r>
             <a:endParaRPr lang="en-US" altLang="ja-JP" dirty="0" smtClean="0"/>
           </a:p>
@@ -6710,7 +6836,7 @@
     </p:spTree>
     <p:extLst>
       <p:ext uri="{BB962C8B-B14F-4D97-AF65-F5344CB8AC3E}">
-        <p14:creationId xmlns="" xmlns:p14="http://schemas.microsoft.com/office/powerpoint/2010/main" val="2591311960"/>
+        <p14:creationId xmlns:p14="http://schemas.microsoft.com/office/powerpoint/2010/main" xmlns="" val="2591311960"/>
       </p:ext>
     </p:extLst>
   </p:cSld>
@@ -6720,7 +6846,7 @@
 </p:sld>
 </file>
 
-<file path=ppt/slides/slide5.xml><?xml version="1.0" encoding="utf-8"?>
+<file path=ppt/slides/slide6.xml><?xml version="1.0" encoding="utf-8"?>
 <p:sld xmlns:a="http://schemas.openxmlformats.org/drawingml/2006/main" xmlns:r="http://schemas.openxmlformats.org/officeDocument/2006/relationships" xmlns:p="http://schemas.openxmlformats.org/presentationml/2006/main">
   <p:cSld>
     <p:spTree>
@@ -6897,7 +7023,7 @@
     </p:spTree>
     <p:extLst>
       <p:ext uri="{BB962C8B-B14F-4D97-AF65-F5344CB8AC3E}">
-        <p14:creationId xmlns="" xmlns:p14="http://schemas.microsoft.com/office/powerpoint/2010/main" val="2591311960"/>
+        <p14:creationId xmlns:p14="http://schemas.microsoft.com/office/powerpoint/2010/main" xmlns="" val="2591311960"/>
       </p:ext>
     </p:extLst>
   </p:cSld>
